--- a/lecture/2013/digital-document/20130620-Digital-Document-10.pptx
+++ b/lecture/2013/digital-document/20130620-Digital-Document-10.pptx
@@ -5373,6 +5373,13 @@
   <p:clrMapOvr>
     <a:masterClrMapping/>
   </p:clrMapOvr>
+  <p:timing>
+    <p:tnLst>
+      <p:par>
+        <p:cTn id="1" dur="indefinite" restart="never" nodeType="tmRoot"/>
+      </p:par>
+    </p:tnLst>
+  </p:timing>
 </p:sld>
 </file>
 
@@ -5537,6 +5544,13 @@
   <p:clrMapOvr>
     <a:masterClrMapping/>
   </p:clrMapOvr>
+  <p:timing>
+    <p:tnLst>
+      <p:par>
+        <p:cTn id="1" dur="indefinite" restart="never" nodeType="tmRoot"/>
+      </p:par>
+    </p:tnLst>
+  </p:timing>
 </p:sld>
 </file>
 
@@ -6160,6 +6174,13 @@
   <p:clrMapOvr>
     <a:masterClrMapping/>
   </p:clrMapOvr>
+  <p:timing>
+    <p:tnLst>
+      <p:par>
+        <p:cTn id="1" dur="indefinite" restart="never" nodeType="tmRoot"/>
+      </p:par>
+    </p:tnLst>
+  </p:timing>
 </p:sld>
 </file>
 
@@ -6379,6 +6400,13 @@
   <p:clrMapOvr>
     <a:masterClrMapping/>
   </p:clrMapOvr>
+  <p:timing>
+    <p:tnLst>
+      <p:par>
+        <p:cTn id="1" dur="indefinite" restart="never" nodeType="tmRoot"/>
+      </p:par>
+    </p:tnLst>
+  </p:timing>
 </p:sld>
 </file>
 
@@ -6605,6 +6633,13 @@
   <p:clrMapOvr>
     <a:masterClrMapping/>
   </p:clrMapOvr>
+  <p:timing>
+    <p:tnLst>
+      <p:par>
+        <p:cTn id="1" dur="indefinite" restart="never" nodeType="tmRoot"/>
+      </p:par>
+    </p:tnLst>
+  </p:timing>
 </p:sld>
 </file>
 
@@ -6773,6 +6808,13 @@
   <p:clrMapOvr>
     <a:masterClrMapping/>
   </p:clrMapOvr>
+  <p:timing>
+    <p:tnLst>
+      <p:par>
+        <p:cTn id="1" dur="indefinite" restart="never" nodeType="tmRoot"/>
+      </p:par>
+    </p:tnLst>
+  </p:timing>
 </p:sld>
 </file>
 
@@ -7004,6 +7046,13 @@
   <p:clrMapOvr>
     <a:masterClrMapping/>
   </p:clrMapOvr>
+  <p:timing>
+    <p:tnLst>
+      <p:par>
+        <p:cTn id="1" dur="indefinite" restart="never" nodeType="tmRoot"/>
+      </p:par>
+    </p:tnLst>
+  </p:timing>
 </p:sld>
 </file>
 
@@ -7379,6 +7428,13 @@
   <p:clrMapOvr>
     <a:masterClrMapping/>
   </p:clrMapOvr>
+  <p:timing>
+    <p:tnLst>
+      <p:par>
+        <p:cTn id="1" dur="indefinite" restart="never" nodeType="tmRoot"/>
+      </p:par>
+    </p:tnLst>
+  </p:timing>
 </p:sld>
 </file>
 
@@ -7535,8 +7591,13 @@
             </a:r>
             <a:r>
               <a:rPr kumimoji="1" lang="en-US" altLang="ja-JP" dirty="0" smtClean="0"/>
-              <a:t>/.xml</a:t>
-            </a:r>
+              <a:t>/.</a:t>
+            </a:r>
+            <a:r>
+              <a:rPr kumimoji="1" lang="en-US" altLang="ja-JP" dirty="0" err="1" smtClean="0"/>
+              <a:t>rels</a:t>
+            </a:r>
+            <a:endParaRPr kumimoji="1" lang="en-US" altLang="ja-JP" dirty="0" smtClean="0"/>
           </a:p>
           <a:p>
             <a:pPr lvl="2"/>
@@ -8315,6 +8376,13 @@
   <p:clrMapOvr>
     <a:masterClrMapping/>
   </p:clrMapOvr>
+  <p:timing>
+    <p:tnLst>
+      <p:par>
+        <p:cTn id="1" dur="indefinite" restart="never" nodeType="tmRoot"/>
+      </p:par>
+    </p:tnLst>
+  </p:timing>
 </p:sld>
 </file>
 
@@ -9077,7 +9145,15 @@
           <a:p>
             <a:r>
               <a:rPr lang="en-US" altLang="ja-JP" dirty="0"/>
-              <a:t>Open Office XML</a:t>
+              <a:t>OOXML</a:t>
+            </a:r>
+            <a:r>
+              <a:rPr lang="ja-JP" altLang="en-US" dirty="0"/>
+              <a:t>と</a:t>
+            </a:r>
+            <a:r>
+              <a:rPr lang="en-US" altLang="ja-JP" dirty="0"/>
+              <a:t>ODF</a:t>
             </a:r>
           </a:p>
           <a:p>
@@ -9100,11 +9176,7 @@
             <a:pPr lvl="1"/>
             <a:r>
               <a:rPr lang="ja-JP" altLang="en-US" dirty="0"/>
-              <a:t>文書内容にあわせた文書</a:t>
-            </a:r>
-            <a:r>
-              <a:rPr lang="ja-JP" altLang="en-US" dirty="0" smtClean="0"/>
-              <a:t>要素</a:t>
+              <a:t>文書内容にあわせた文書要素</a:t>
             </a:r>
             <a:endParaRPr lang="en-US" altLang="ja-JP" dirty="0"/>
           </a:p>
@@ -9212,7 +9284,7 @@
         <p:spPr/>
         <p:txBody>
           <a:bodyPr>
-            <a:normAutofit fontScale="92500" lnSpcReduction="20000"/>
+            <a:normAutofit fontScale="70000" lnSpcReduction="20000"/>
           </a:bodyPr>
           <a:lstStyle/>
           <a:p>
@@ -9222,11 +9294,15 @@
             </a:r>
             <a:r>
               <a:rPr lang="ja-JP" altLang="en-US" dirty="0" smtClean="0"/>
-              <a:t>とは</a:t>
-            </a:r>
-            <a:r>
-              <a:rPr lang="ja-JP" altLang="en-US" dirty="0"/>
-              <a:t>？</a:t>
+              <a:t>とは？</a:t>
+            </a:r>
+            <a:endParaRPr lang="en-US" altLang="ja-JP" dirty="0" smtClean="0"/>
+          </a:p>
+          <a:p>
+            <a:pPr lvl="1"/>
+            <a:r>
+              <a:rPr kumimoji="1" lang="ja-JP" altLang="en-US" dirty="0" smtClean="0"/>
+              <a:t>定義と用例、種別</a:t>
             </a:r>
             <a:endParaRPr kumimoji="1" lang="en-US" altLang="ja-JP" dirty="0" smtClean="0"/>
           </a:p>
@@ -9240,26 +9316,29 @@
           <a:p>
             <a:pPr lvl="1"/>
             <a:r>
-              <a:rPr lang="ja-JP" altLang="en-US" dirty="0" smtClean="0"/>
-              <a:t>論文、オンラインジャーナル、プラットフォーム</a:t>
-            </a:r>
-            <a:endParaRPr lang="en-US" altLang="ja-JP" dirty="0" smtClean="0"/>
+              <a:rPr kumimoji="1" lang="ja-JP" altLang="en-US" dirty="0" smtClean="0"/>
+              <a:t>学術情報</a:t>
+            </a:r>
+            <a:r>
+              <a:rPr lang="ja-JP" altLang="en-US" dirty="0" smtClean="0"/>
+              <a:t>の要素、利用と</a:t>
+            </a:r>
+            <a:r>
+              <a:rPr kumimoji="1" lang="ja-JP" altLang="en-US" dirty="0" smtClean="0"/>
+              <a:t>提供の形態</a:t>
+            </a:r>
+            <a:endParaRPr kumimoji="1" lang="en-US" altLang="ja-JP" dirty="0" smtClean="0"/>
           </a:p>
           <a:p>
             <a:pPr lvl="1"/>
             <a:r>
-              <a:rPr kumimoji="1" lang="ja-JP" altLang="en-US" dirty="0" smtClean="0"/>
-              <a:t>学術情報の利用</a:t>
-            </a:r>
-            <a:r>
-              <a:rPr lang="ja-JP" altLang="en-US" dirty="0"/>
-              <a:t>、</a:t>
-            </a:r>
-            <a:r>
-              <a:rPr kumimoji="1" lang="ja-JP" altLang="en-US" dirty="0" smtClean="0"/>
-              <a:t>提供形態</a:t>
-            </a:r>
-            <a:endParaRPr kumimoji="1" lang="en-US" altLang="ja-JP" dirty="0" smtClean="0"/>
+              <a:rPr lang="ja-JP" altLang="en-US" dirty="0" smtClean="0"/>
+              <a:t>論文、オンラインジャーナル、プラットフォーム、</a:t>
+            </a:r>
+            <a:r>
+              <a:rPr lang="en-US" altLang="ja-JP" dirty="0" smtClean="0"/>
+              <a:t>DOI</a:t>
+            </a:r>
           </a:p>
           <a:p>
             <a:r>
@@ -9271,8 +9350,52 @@
           <a:p>
             <a:pPr lvl="1"/>
             <a:r>
-              <a:rPr lang="ja-JP" altLang="en-US" dirty="0" smtClean="0"/>
-              <a:t>閲覧環境：ハードウェア、ソフトウェア、コンテンツ</a:t>
+              <a:rPr lang="ja-JP" altLang="en-US" dirty="0"/>
+              <a:t>歴史</a:t>
+            </a:r>
+            <a:r>
+              <a:rPr lang="ja-JP" altLang="en-US" dirty="0" smtClean="0"/>
+              <a:t>と最近の動向</a:t>
+            </a:r>
+            <a:endParaRPr kumimoji="1" lang="en-US" altLang="ja-JP" dirty="0" smtClean="0"/>
+          </a:p>
+          <a:p>
+            <a:pPr lvl="1"/>
+            <a:r>
+              <a:rPr lang="ja-JP" altLang="en-US" dirty="0" smtClean="0"/>
+              <a:t>閲覧機器（ハードウェア）、ビューア（ソフトウェア）、コンテンツ</a:t>
+            </a:r>
+            <a:endParaRPr lang="en-US" altLang="ja-JP" dirty="0" smtClean="0"/>
+          </a:p>
+          <a:p>
+            <a:pPr lvl="1"/>
+            <a:r>
+              <a:rPr lang="ja-JP" altLang="en-US" dirty="0" smtClean="0"/>
+              <a:t>電子辞書</a:t>
+            </a:r>
+            <a:r>
+              <a:rPr lang="en-US" altLang="ja-JP" dirty="0" smtClean="0"/>
+              <a:t>, Kindle, kobo, </a:t>
+            </a:r>
+            <a:r>
+              <a:rPr lang="ja-JP" altLang="en-US" dirty="0" smtClean="0"/>
+              <a:t>青空文庫</a:t>
+            </a:r>
+            <a:r>
+              <a:rPr lang="en-US" altLang="ja-JP" dirty="0" smtClean="0"/>
+              <a:t>, NDL</a:t>
+            </a:r>
+            <a:r>
+              <a:rPr lang="ja-JP" altLang="en-US" dirty="0" smtClean="0"/>
+              <a:t>近代デジタルライブラリ</a:t>
+            </a:r>
+            <a:endParaRPr lang="en-US" altLang="ja-JP" dirty="0" smtClean="0"/>
+          </a:p>
+          <a:p>
+            <a:pPr lvl="1"/>
+            <a:r>
+              <a:rPr lang="ja-JP" altLang="en-US" dirty="0" smtClean="0"/>
+              <a:t>紙の本と電子書籍の違い</a:t>
             </a:r>
             <a:endParaRPr lang="en-US" altLang="ja-JP" dirty="0" smtClean="0"/>
           </a:p>
@@ -9287,7 +9410,7 @@
             <a:pPr lvl="1"/>
             <a:r>
               <a:rPr lang="ja-JP" altLang="en-US" dirty="0" smtClean="0"/>
-              <a:t>文書構造、文書要素、書式・スタイル</a:t>
+              <a:t>文書構造、文書要素、書式・スタイル、フォーマットの識別</a:t>
             </a:r>
             <a:endParaRPr lang="en-US" altLang="ja-JP" dirty="0" smtClean="0"/>
           </a:p>
@@ -9295,12 +9418,20 @@
             <a:pPr lvl="1"/>
             <a:r>
               <a:rPr lang="ja-JP" altLang="en-US" dirty="0" smtClean="0"/>
-              <a:t>プレインテキスト</a:t>
+              <a:t>プレインテキスト、文字コード</a:t>
             </a:r>
             <a:endParaRPr lang="en-US" altLang="ja-JP" dirty="0" smtClean="0"/>
           </a:p>
           <a:p>
             <a:pPr lvl="1"/>
+            <a:r>
+              <a:rPr lang="en-US" altLang="ja-JP" dirty="0" smtClean="0"/>
+              <a:t>Web</a:t>
+            </a:r>
+            <a:r>
+              <a:rPr lang="ja-JP" altLang="en-US" dirty="0" smtClean="0"/>
+              <a:t>と</a:t>
+            </a:r>
             <a:r>
               <a:rPr lang="en-US" altLang="ja-JP" dirty="0" smtClean="0"/>
               <a:t>HTML</a:t>
@@ -9310,9 +9441,10 @@
               <a:t>、</a:t>
             </a:r>
             <a:r>
-              <a:rPr kumimoji="1" lang="en-US" altLang="ja-JP" dirty="0" smtClean="0"/>
-              <a:t>XML</a:t>
-            </a:r>
+              <a:rPr lang="ja-JP" altLang="en-US" dirty="0" smtClean="0"/>
+              <a:t>ハイパーテキスト</a:t>
+            </a:r>
+            <a:endParaRPr kumimoji="1" lang="en-US" altLang="ja-JP" dirty="0" smtClean="0"/>
           </a:p>
           <a:p>
             <a:pPr lvl="1"/>
@@ -9332,13 +9464,21 @@
           <a:p>
             <a:pPr lvl="1"/>
             <a:r>
+              <a:rPr lang="ja-JP" altLang="en-US" dirty="0" smtClean="0"/>
+              <a:t>オフィス文書、</a:t>
+            </a:r>
+            <a:r>
               <a:rPr lang="en-US" altLang="ja-JP" dirty="0" smtClean="0"/>
-              <a:t>Office XML</a:t>
-            </a:r>
-            <a:endParaRPr kumimoji="1" lang="en-US" altLang="ja-JP" dirty="0" smtClean="0"/>
-          </a:p>
-          <a:p>
-            <a:pPr lvl="1"/>
+              <a:t>OOXML</a:t>
+            </a:r>
+            <a:r>
+              <a:rPr lang="ja-JP" altLang="en-US" dirty="0" smtClean="0"/>
+              <a:t>と</a:t>
+            </a:r>
+            <a:r>
+              <a:rPr lang="en-US" altLang="ja-JP" dirty="0" smtClean="0"/>
+              <a:t>ODF</a:t>
+            </a:r>
             <a:endParaRPr kumimoji="1" lang="ja-JP" altLang="en-US" dirty="0"/>
           </a:p>
         </p:txBody>
@@ -9377,6 +9517,13 @@
   <p:clrMapOvr>
     <a:masterClrMapping/>
   </p:clrMapOvr>
+  <p:timing>
+    <p:tnLst>
+      <p:par>
+        <p:cTn id="1" dur="indefinite" restart="never" nodeType="tmRoot"/>
+      </p:par>
+    </p:tnLst>
+  </p:timing>
 </p:sld>
 </file>
 
@@ -9613,6 +9760,13 @@
   <p:clrMapOvr>
     <a:masterClrMapping/>
   </p:clrMapOvr>
+  <p:timing>
+    <p:tnLst>
+      <p:par>
+        <p:cTn id="1" dur="indefinite" restart="never" nodeType="tmRoot"/>
+      </p:par>
+    </p:tnLst>
+  </p:timing>
 </p:sld>
 </file>
 
@@ -9852,6 +10006,13 @@
   <p:clrMapOvr>
     <a:masterClrMapping/>
   </p:clrMapOvr>
+  <p:timing>
+    <p:tnLst>
+      <p:par>
+        <p:cTn id="1" dur="indefinite" restart="never" nodeType="tmRoot"/>
+      </p:par>
+    </p:tnLst>
+  </p:timing>
 </p:sld>
 </file>
 
@@ -9908,7 +10069,7 @@
         <p:spPr/>
         <p:txBody>
           <a:bodyPr>
-            <a:normAutofit fontScale="92500" lnSpcReduction="20000"/>
+            <a:normAutofit fontScale="85000" lnSpcReduction="10000"/>
           </a:bodyPr>
           <a:lstStyle/>
           <a:p>
@@ -9926,10 +10087,30 @@
               <a:rPr lang="ja-JP" altLang="en-US" dirty="0" smtClean="0"/>
               <a:t>授業評価アンケートに記入、提出願います。</a:t>
             </a:r>
+            <a:endParaRPr lang="en-US" altLang="ja-JP" dirty="0"/>
+          </a:p>
+          <a:p>
+            <a:pPr lvl="1"/>
+            <a:r>
+              <a:rPr lang="ja-JP" altLang="en-US" dirty="0" smtClean="0"/>
+              <a:t>教室</a:t>
+            </a:r>
+            <a:r>
+              <a:rPr lang="ja-JP" altLang="en-US" dirty="0"/>
+              <a:t>前方</a:t>
+            </a:r>
+            <a:r>
+              <a:rPr lang="ja-JP" altLang="en-US" dirty="0" smtClean="0"/>
+              <a:t>の封筒に入れてください。</a:t>
+            </a:r>
             <a:endParaRPr lang="en-US" altLang="ja-JP" dirty="0" smtClean="0"/>
           </a:p>
           <a:p>
             <a:pPr lvl="1"/>
+            <a:r>
+              <a:rPr lang="ja-JP" altLang="en-US" dirty="0" smtClean="0"/>
+              <a:t>なお、</a:t>
+            </a:r>
             <a:r>
               <a:rPr lang="en-US" altLang="ja-JP" dirty="0" smtClean="0"/>
               <a:t>TWINS</a:t>
@@ -9956,7 +10137,11 @@
             </a:r>
             <a:r>
               <a:rPr lang="ja-JP" altLang="en-US" dirty="0"/>
-              <a:t>日（金）までです。</a:t>
+              <a:t>日（金）までです</a:t>
+            </a:r>
+            <a:r>
+              <a:rPr lang="ja-JP" altLang="en-US" dirty="0" smtClean="0"/>
+              <a:t>。こちらもご協力ください。</a:t>
             </a:r>
             <a:endParaRPr lang="en-US" altLang="ja-JP" dirty="0"/>
           </a:p>
@@ -9965,8 +10150,8 @@
           </a:p>
           <a:p>
             <a:r>
-              <a:rPr lang="ja-JP" altLang="en-US" dirty="0" smtClean="0"/>
-              <a:t>あわせて、出席票</a:t>
+              <a:rPr lang="ja-JP" altLang="en-US" smtClean="0"/>
+              <a:t>出席票</a:t>
             </a:r>
             <a:r>
               <a:rPr lang="ja-JP" altLang="en-US" dirty="0" smtClean="0"/>
@@ -9986,15 +10171,7 @@
             </a:r>
             <a:r>
               <a:rPr lang="ja-JP" altLang="en-US" dirty="0" smtClean="0"/>
-              <a:t>提出して</a:t>
-            </a:r>
-            <a:r>
-              <a:rPr lang="ja-JP" altLang="en-US" dirty="0" smtClean="0"/>
-              <a:t>ください</a:t>
-            </a:r>
-            <a:r>
-              <a:rPr lang="ja-JP" altLang="en-US" dirty="0" smtClean="0"/>
-              <a:t>。</a:t>
+              <a:t>提出してください。</a:t>
             </a:r>
             <a:endParaRPr lang="en-US" altLang="ja-JP" dirty="0" smtClean="0"/>
           </a:p>
@@ -10071,14 +10248,21 @@
   <p:clrMapOvr>
     <a:masterClrMapping/>
   </p:clrMapOvr>
-  <mc:AlternateContent xmlns:mc="http://schemas.openxmlformats.org/markup-compatibility/2006">
-    <mc:Choice xmlns:p14="http://schemas.microsoft.com/office/powerpoint/2010/main" Requires="p14">
+  <mc:AlternateContent xmlns:mc="http://schemas.openxmlformats.org/markup-compatibility/2006" xmlns:p14="http://schemas.microsoft.com/office/powerpoint/2010/main">
+    <mc:Choice Requires="p14">
       <p:transition spd="slow" p14:dur="2000"/>
     </mc:Choice>
-    <mc:Fallback>
+    <mc:Fallback xmlns="">
       <p:transition spd="slow"/>
     </mc:Fallback>
   </mc:AlternateContent>
+  <p:timing>
+    <p:tnLst>
+      <p:par>
+        <p:cTn id="1" dur="indefinite" restart="never" nodeType="tmRoot"/>
+      </p:par>
+    </p:tnLst>
+  </p:timing>
 </p:sld>
 </file>
 
@@ -11151,6 +11335,13 @@
   <p:clrMapOvr>
     <a:masterClrMapping/>
   </p:clrMapOvr>
+  <p:timing>
+    <p:tnLst>
+      <p:par>
+        <p:cTn id="1" dur="indefinite" restart="never" nodeType="tmRoot"/>
+      </p:par>
+    </p:tnLst>
+  </p:timing>
 </p:sld>
 </file>
 
@@ -12277,6 +12468,13 @@
   <p:clrMapOvr>
     <a:masterClrMapping/>
   </p:clrMapOvr>
+  <p:timing>
+    <p:tnLst>
+      <p:par>
+        <p:cTn id="1" dur="indefinite" restart="never" nodeType="tmRoot"/>
+      </p:par>
+    </p:tnLst>
+  </p:timing>
 </p:sld>
 </file>
 
@@ -12555,6 +12753,13 @@
   <p:clrMapOvr>
     <a:masterClrMapping/>
   </p:clrMapOvr>
+  <p:timing>
+    <p:tnLst>
+      <p:par>
+        <p:cTn id="1" dur="indefinite" restart="never" nodeType="tmRoot"/>
+      </p:par>
+    </p:tnLst>
+  </p:timing>
 </p:sld>
 </file>
 
@@ -12663,7 +12868,15 @@
           <a:p>
             <a:r>
               <a:rPr lang="en-US" altLang="ja-JP" dirty="0" smtClean="0"/>
-              <a:t>Open Office XML</a:t>
+              <a:t>OOXML</a:t>
+            </a:r>
+            <a:r>
+              <a:rPr lang="ja-JP" altLang="en-US" dirty="0" smtClean="0"/>
+              <a:t>と</a:t>
+            </a:r>
+            <a:r>
+              <a:rPr lang="en-US" altLang="ja-JP" dirty="0" smtClean="0"/>
+              <a:t>ODF</a:t>
             </a:r>
           </a:p>
           <a:p>
@@ -12758,6 +12971,13 @@
       <p:transition spd="slow"/>
     </mc:Fallback>
   </mc:AlternateContent>
+  <p:timing>
+    <p:tnLst>
+      <p:par>
+        <p:cTn id="1" dur="indefinite" restart="never" nodeType="tmRoot"/>
+      </p:par>
+    </p:tnLst>
+  </p:timing>
 </p:sld>
 </file>
 
@@ -13040,7 +13260,18 @@
           <a:p>
             <a:r>
               <a:rPr lang="ja-JP" altLang="en-US" dirty="0"/>
-              <a:t>業務メモ</a:t>
+              <a:t>業務</a:t>
+            </a:r>
+            <a:r>
+              <a:rPr lang="ja-JP" altLang="en-US" dirty="0" smtClean="0"/>
+              <a:t>メモ</a:t>
+            </a:r>
+            <a:endParaRPr lang="en-US" altLang="ja-JP" dirty="0" smtClean="0"/>
+          </a:p>
+          <a:p>
+            <a:r>
+              <a:rPr lang="ja-JP" altLang="en-US" smtClean="0"/>
+              <a:t>経歴書、業績書</a:t>
             </a:r>
             <a:endParaRPr lang="en-US" altLang="ja-JP" dirty="0"/>
           </a:p>
@@ -13097,6 +13328,13 @@
   <p:clrMapOvr>
     <a:masterClrMapping/>
   </p:clrMapOvr>
+  <p:timing>
+    <p:tnLst>
+      <p:par>
+        <p:cTn id="1" dur="indefinite" restart="never" nodeType="tmRoot"/>
+      </p:par>
+    </p:tnLst>
+  </p:timing>
 </p:sld>
 </file>
 
@@ -13364,6 +13602,13 @@
   <p:clrMapOvr>
     <a:masterClrMapping/>
   </p:clrMapOvr>
+  <p:timing>
+    <p:tnLst>
+      <p:par>
+        <p:cTn id="1" dur="indefinite" restart="never" nodeType="tmRoot"/>
+      </p:par>
+    </p:tnLst>
+  </p:timing>
 </p:sld>
 </file>
 
